--- a/pitch/Deep Tech Stack.pptx
+++ b/pitch/Deep Tech Stack.pptx
@@ -672,7 +672,7 @@
         <p:txBody>
           <a:bodyPr/>
           <a:p>
-            <a:fld id="{A8B93D50-C238-4E52-A01D-EAB28352B49D}" type="slidenum">
+            <a:fld id="{9C9724A9-892D-4886-BB1E-695E3646DA5E}" type="slidenum">
               <a:t>&lt;#&gt;</a:t>
             </a:fld>
           </a:p>
@@ -829,7 +829,7 @@
         <p:txBody>
           <a:bodyPr/>
           <a:p>
-            <a:fld id="{8472D68C-6167-4286-9A29-E0F44193E457}" type="slidenum">
+            <a:fld id="{AB2A8CAE-B1E0-4812-8C5A-8E2471ADF808}" type="slidenum">
               <a:t>&lt;#&gt;</a:t>
             </a:fld>
           </a:p>
@@ -983,7 +983,7 @@
         <p:txBody>
           <a:bodyPr/>
           <a:p>
-            <a:fld id="{1D90553F-DBD1-4A45-93CF-39A41A85BB9C}" type="slidenum">
+            <a:fld id="{222FCD36-05BB-4362-B4FC-A9B608D522EB}" type="slidenum">
               <a:t>&lt;#&gt;</a:t>
             </a:fld>
           </a:p>
@@ -1171,7 +1171,7 @@
         <p:txBody>
           <a:bodyPr/>
           <a:p>
-            <a:fld id="{D981C5B8-D2FB-49D9-BD8F-C9ABABB3FDB1}" type="slidenum">
+            <a:fld id="{10F8B8CD-9173-4F0D-BF8A-440AFE7F6CA5}" type="slidenum">
               <a:t>&lt;#&gt;</a:t>
             </a:fld>
           </a:p>
@@ -1291,7 +1291,7 @@
         <p:txBody>
           <a:bodyPr/>
           <a:p>
-            <a:fld id="{8F8CD1E0-F6A5-40B7-BD59-8B5D8E3C0094}" type="slidenum">
+            <a:fld id="{13A03760-7A1F-4DF9-8B20-569EFD125672}" type="slidenum">
               <a:t>&lt;#&gt;</a:t>
             </a:fld>
           </a:p>
@@ -1411,7 +1411,7 @@
         <p:txBody>
           <a:bodyPr/>
           <a:p>
-            <a:fld id="{4B1943E7-4EFB-49D9-A1EB-9844A47D1787}" type="slidenum">
+            <a:fld id="{04332F6F-3DB1-49F0-A71A-9BDCA6AE6C46}" type="slidenum">
               <a:t>&lt;#&gt;</a:t>
             </a:fld>
           </a:p>
@@ -1633,7 +1633,7 @@
         <p:txBody>
           <a:bodyPr/>
           <a:p>
-            <a:fld id="{1C6ACE44-A709-4A19-916A-CA0296154A02}" type="slidenum">
+            <a:fld id="{A6BA37EE-4303-4C8C-B22F-C6C5E72AE3AC}" type="slidenum">
               <a:t>&lt;#&gt;</a:t>
             </a:fld>
           </a:p>
@@ -1951,7 +1951,7 @@
         <p:txBody>
           <a:bodyPr/>
           <a:p>
-            <a:fld id="{5993D6FE-F73F-4020-B1A1-4AC5D547ADBB}" type="slidenum">
+            <a:fld id="{54B85095-E029-4F23-9245-0A73234D7021}" type="slidenum">
               <a:t>&lt;#&gt;</a:t>
             </a:fld>
           </a:p>
@@ -2173,7 +2173,7 @@
         <p:txBody>
           <a:bodyPr/>
           <a:p>
-            <a:fld id="{3458547B-6AAB-46ED-BDCE-504E5D5B9879}" type="slidenum">
+            <a:fld id="{AA7B9AF2-5804-427F-AF56-B64DA0853166}" type="slidenum">
               <a:t>&lt;#&gt;</a:t>
             </a:fld>
           </a:p>
@@ -2361,7 +2361,7 @@
         <p:txBody>
           <a:bodyPr/>
           <a:p>
-            <a:fld id="{B6EF6840-E075-4F47-B556-7E8AD9FB4FAF}" type="slidenum">
+            <a:fld id="{F6FC881B-3C5E-4F7C-8EF1-3E761B79934E}" type="slidenum">
               <a:t>&lt;#&gt;</a:t>
             </a:fld>
           </a:p>
@@ -2617,7 +2617,7 @@
         <p:txBody>
           <a:bodyPr/>
           <a:p>
-            <a:fld id="{C5E84D7C-4985-4692-B315-B018223B87B5}" type="slidenum">
+            <a:fld id="{87FE5A68-64EE-47AE-8BCC-A87C3C5AEB69}" type="slidenum">
               <a:t>&lt;#&gt;</a:t>
             </a:fld>
           </a:p>
@@ -2941,7 +2941,7 @@
         <p:txBody>
           <a:bodyPr/>
           <a:p>
-            <a:fld id="{17249B6A-1575-4AA5-ACFB-D22CCC35987B}" type="slidenum">
+            <a:fld id="{B21C3E08-59EC-44A8-BE5F-8B75CFA55226}" type="slidenum">
               <a:t>&lt;#&gt;</a:t>
             </a:fld>
           </a:p>
@@ -3828,7 +3828,7 @@
           <a:gradFill rotWithShape="0">
             <a:gsLst>
               <a:gs pos="0">
-                <a:srgbClr val="77caee"/>
+                <a:srgbClr val="55215b"/>
               </a:gs>
               <a:gs pos="100000">
                 <a:srgbClr val="009bdd"/>
@@ -3990,14 +3990,14 @@
               </a:lnSpc>
               <a:buNone/>
             </a:pPr>
-            <a:fld id="{FB5FD065-1D1D-43B8-857C-251D990A1268}" type="slidenum">
+            <a:fld id="{6B03F803-BA41-4CE0-B93F-98178D47AF9F}" type="slidenum">
               <a:rPr b="0" lang="en-US" sz="1400" spc="-1" strike="noStrike">
                 <a:solidFill>
                   <a:srgbClr val="ffffff"/>
                 </a:solidFill>
                 <a:latin typeface="Arial"/>
               </a:rPr>
-              <a:t>2</a:t>
+              <a:t>&lt;number&gt;</a:t>
             </a:fld>
             <a:endParaRPr b="0" lang="en-US" sz="1400" spc="-1" strike="noStrike">
               <a:latin typeface="Arial"/>
@@ -4282,7 +4282,7 @@
           <a:gradFill rotWithShape="0">
             <a:gsLst>
               <a:gs pos="0">
-                <a:srgbClr val="77caee"/>
+                <a:srgbClr val="55215b"/>
               </a:gs>
               <a:gs pos="100000">
                 <a:srgbClr val="009bdd"/>
@@ -4323,7 +4323,7 @@
           <a:gradFill rotWithShape="0">
             <a:gsLst>
               <a:gs pos="0">
-                <a:srgbClr val="77caee"/>
+                <a:srgbClr val="55215b"/>
               </a:gs>
               <a:gs pos="100000">
                 <a:srgbClr val="009bdd"/>
@@ -4681,7 +4681,7 @@
               </a:lnSpc>
               <a:buNone/>
             </a:pPr>
-            <a:fld id="{34BE3125-8B9C-46E8-87EF-0A78CD7E6364}" type="slidenum">
+            <a:fld id="{6D070263-D3B5-4343-BC97-9B521D2BC9D9}" type="slidenum">
               <a:rPr b="0" lang="en-US" sz="1400" spc="-1" strike="noStrike">
                 <a:solidFill>
                   <a:srgbClr val="ffffff"/>
@@ -4843,7 +4843,7 @@
 </file>
 
 <file path=ppt/slides/slide2.xml><?xml version="1.0" encoding="utf-8"?>
-<p:sld xmlns:a="http://schemas.openxmlformats.org/drawingml/2006/main" xmlns:p="http://schemas.openxmlformats.org/presentationml/2006/main" xmlns:r="http://schemas.openxmlformats.org/officeDocument/2006/relationships" xmlns:p14="http://schemas.microsoft.com/office/powerpoint/2010/main" xmlns:p15="http://schemas.microsoft.com/office/powerpoint/2012/main" xmlns:mc="http://schemas.openxmlformats.org/markup-compatibility/2006" showMasterSp="0">
+<p:sld xmlns:a="http://schemas.openxmlformats.org/drawingml/2006/main" xmlns:p="http://schemas.openxmlformats.org/presentationml/2006/main" xmlns:r="http://schemas.openxmlformats.org/officeDocument/2006/relationships" xmlns:p14="http://schemas.microsoft.com/office/powerpoint/2010/main" xmlns:p15="http://schemas.microsoft.com/office/powerpoint/2012/main" xmlns:mc="http://schemas.openxmlformats.org/markup-compatibility/2006">
   <p:cSld>
     <p:spTree>
       <p:nvGrpSpPr>
@@ -4896,13 +4896,16 @@
             <a:r>
               <a:rPr b="0" lang="en-US" sz="3290" spc="-1" strike="noStrike">
                 <a:solidFill>
-                  <a:srgbClr val="481d32"/>
+                  <a:srgbClr val="fff5ce"/>
                 </a:solidFill>
                 <a:latin typeface="Arial"/>
               </a:rPr>
               <a:t>Platform supported by deep technology</a:t>
             </a:r>
             <a:endParaRPr b="0" lang="en-US" sz="3290" spc="-1" strike="noStrike">
+              <a:solidFill>
+                <a:srgbClr val="fff5ce"/>
+              </a:solidFill>
               <a:latin typeface="Arial"/>
             </a:endParaRPr>
           </a:p>
@@ -4945,12 +4948,18 @@
               <a:buNone/>
             </a:pPr>
             <a:r>
-              <a:rPr b="0" lang="en-US" sz="1590" spc="-1" strike="noStrike">
+              <a:rPr b="0" lang="en-US" sz="1800" spc="-1" strike="noStrike">
+                <a:solidFill>
+                  <a:srgbClr val="fff5ce"/>
+                </a:solidFill>
                 <a:latin typeface="Arial"/>
               </a:rPr>
               <a:t>Our proprietary AI gets better with age, just like her</a:t>
             </a:r>
-            <a:endParaRPr b="0" lang="en-US" sz="1590" spc="-1" strike="noStrike">
+            <a:endParaRPr b="0" lang="en-US" sz="1800" spc="-1" strike="noStrike">
+              <a:solidFill>
+                <a:srgbClr val="fff5ce"/>
+              </a:solidFill>
               <a:latin typeface="Arial"/>
             </a:endParaRPr>
           </a:p>
@@ -4964,8 +4973,8 @@
         </p:nvSpPr>
         <p:spPr>
           <a:xfrm>
-            <a:off x="4798440" y="913680"/>
-            <a:ext cx="4341600" cy="3927240"/>
+            <a:off x="4798440" y="685800"/>
+            <a:ext cx="4341600" cy="4343400"/>
           </a:xfrm>
           <a:prstGeom prst="rect">
             <a:avLst/>
@@ -4993,12 +5002,12 @@
               <a:buNone/>
             </a:pPr>
             <a:r>
-              <a:rPr b="1" lang="en-US" sz="1590" spc="-1" strike="noStrike">
+              <a:rPr b="1" lang="en-US" sz="1500" spc="-1" strike="noStrike">
                 <a:latin typeface="Arial"/>
               </a:rPr>
               <a:t>Claims</a:t>
             </a:r>
-            <a:endParaRPr b="0" lang="en-US" sz="1590" spc="-1" strike="noStrike">
+            <a:endParaRPr b="0" lang="en-US" sz="1500" spc="-1" strike="noStrike">
               <a:latin typeface="Arial"/>
             </a:endParaRPr>
           </a:p>
@@ -5015,12 +5024,12 @@
               <a:buChar char=""/>
             </a:pPr>
             <a:r>
-              <a:rPr b="0" lang="en-US" sz="1590" spc="-1" strike="noStrike">
+              <a:rPr b="0" lang="en-US" sz="1500" spc="-1" strike="noStrike">
                 <a:latin typeface="Arial"/>
               </a:rPr>
               <a:t>Scaled Expertise</a:t>
             </a:r>
-            <a:endParaRPr b="0" lang="en-US" sz="1590" spc="-1" strike="noStrike">
+            <a:endParaRPr b="0" lang="en-US" sz="1500" spc="-1" strike="noStrike">
               <a:latin typeface="Arial"/>
             </a:endParaRPr>
           </a:p>
@@ -5037,12 +5046,12 @@
               <a:buChar char=""/>
             </a:pPr>
             <a:r>
-              <a:rPr b="0" lang="en-US" sz="1590" spc="-1" strike="noStrike">
+              <a:rPr b="0" lang="en-US" sz="1500" spc="-1" strike="noStrike">
                 <a:latin typeface="Arial"/>
               </a:rPr>
               <a:t>Future proof technology</a:t>
             </a:r>
-            <a:endParaRPr b="0" lang="en-US" sz="1590" spc="-1" strike="noStrike">
+            <a:endParaRPr b="0" lang="en-US" sz="1500" spc="-1" strike="noStrike">
               <a:latin typeface="Arial"/>
             </a:endParaRPr>
           </a:p>
@@ -5059,12 +5068,12 @@
               <a:buChar char=""/>
             </a:pPr>
             <a:r>
-              <a:rPr b="0" lang="en-US" sz="1590" spc="-1" strike="noStrike">
+              <a:rPr b="0" lang="en-US" sz="1500" spc="-1" strike="noStrike">
                 <a:latin typeface="Arial"/>
               </a:rPr>
               <a:t>Use of synthetic data</a:t>
             </a:r>
-            <a:endParaRPr b="0" lang="en-US" sz="1590" spc="-1" strike="noStrike">
+            <a:endParaRPr b="0" lang="en-US" sz="1500" spc="-1" strike="noStrike">
               <a:latin typeface="Arial"/>
             </a:endParaRPr>
           </a:p>
@@ -5075,7 +5084,7 @@
               </a:lnSpc>
               <a:buNone/>
             </a:pPr>
-            <a:endParaRPr b="0" lang="en-US" sz="1590" spc="-1" strike="noStrike">
+            <a:endParaRPr b="0" lang="en-US" sz="1500" spc="-1" strike="noStrike">
               <a:latin typeface="Arial"/>
             </a:endParaRPr>
           </a:p>
@@ -5092,12 +5101,12 @@
               <a:buChar char=""/>
             </a:pPr>
             <a:r>
-              <a:rPr b="0" lang="en-US" sz="1590" spc="-1" strike="noStrike">
+              <a:rPr b="0" lang="en-US" sz="1500" spc="-1" strike="noStrike">
                 <a:latin typeface="Arial"/>
               </a:rPr>
               <a:t>Zero Custody Model</a:t>
             </a:r>
-            <a:endParaRPr b="0" lang="en-US" sz="1590" spc="-1" strike="noStrike">
+            <a:endParaRPr b="0" lang="en-US" sz="1500" spc="-1" strike="noStrike">
               <a:latin typeface="Arial"/>
             </a:endParaRPr>
           </a:p>
@@ -5114,12 +5123,12 @@
               <a:buChar char=""/>
             </a:pPr>
             <a:r>
-              <a:rPr b="0" lang="en-US" sz="1590" spc="-1" strike="noStrike">
+              <a:rPr b="0" lang="en-US" sz="1500" spc="-1" strike="noStrike">
                 <a:latin typeface="Arial"/>
               </a:rPr>
               <a:t>Fertile tokenomics, (scores, badges, membership,perks)</a:t>
             </a:r>
-            <a:endParaRPr b="0" lang="en-US" sz="1590" spc="-1" strike="noStrike">
+            <a:endParaRPr b="0" lang="en-US" sz="1500" spc="-1" strike="noStrike">
               <a:latin typeface="Arial"/>
             </a:endParaRPr>
           </a:p>
@@ -5136,12 +5145,12 @@
               <a:buChar char=""/>
             </a:pPr>
             <a:r>
-              <a:rPr b="0" lang="en-US" sz="1590" spc="-1" strike="noStrike">
+              <a:rPr b="0" lang="en-US" sz="1500" spc="-1" strike="noStrike">
                 <a:latin typeface="Arial"/>
               </a:rPr>
               <a:t>Carbon Neutral</a:t>
             </a:r>
-            <a:endParaRPr b="0" lang="en-US" sz="1590" spc="-1" strike="noStrike">
+            <a:endParaRPr b="0" lang="en-US" sz="1500" spc="-1" strike="noStrike">
               <a:latin typeface="Arial"/>
             </a:endParaRPr>
           </a:p>
@@ -5152,7 +5161,7 @@
               </a:lnSpc>
               <a:buNone/>
             </a:pPr>
-            <a:endParaRPr b="0" lang="en-US" sz="1590" spc="-1" strike="noStrike">
+            <a:endParaRPr b="0" lang="en-US" sz="1500" spc="-1" strike="noStrike">
               <a:latin typeface="Arial"/>
             </a:endParaRPr>
           </a:p>
@@ -5169,12 +5178,12 @@
               <a:buChar char=""/>
             </a:pPr>
             <a:r>
-              <a:rPr b="0" lang="en-US" sz="1590" spc="-1" strike="noStrike">
+              <a:rPr b="0" lang="en-US" sz="1500" spc="-1" strike="noStrike">
                 <a:latin typeface="Arial"/>
               </a:rPr>
               <a:t>Public key identity</a:t>
             </a:r>
-            <a:endParaRPr b="0" lang="en-US" sz="1590" spc="-1" strike="noStrike">
+            <a:endParaRPr b="0" lang="en-US" sz="1500" spc="-1" strike="noStrike">
               <a:latin typeface="Arial"/>
             </a:endParaRPr>
           </a:p>
@@ -5191,12 +5200,12 @@
               <a:buChar char=""/>
             </a:pPr>
             <a:r>
-              <a:rPr b="0" lang="en-US" sz="1590" spc="-1" strike="noStrike">
+              <a:rPr b="0" lang="en-US" sz="1500" spc="-1" strike="noStrike">
                 <a:latin typeface="Arial"/>
               </a:rPr>
               <a:t>Private data never travel over the network</a:t>
             </a:r>
-            <a:endParaRPr b="0" lang="en-US" sz="1590" spc="-1" strike="noStrike">
+            <a:endParaRPr b="0" lang="en-US" sz="1500" spc="-1" strike="noStrike">
               <a:latin typeface="Arial"/>
             </a:endParaRPr>
           </a:p>
@@ -5213,12 +5222,12 @@
               <a:buChar char=""/>
             </a:pPr>
             <a:r>
-              <a:rPr b="0" lang="en-US" sz="1590" spc="-1" strike="noStrike">
+              <a:rPr b="0" lang="en-US" sz="1500" spc="-1" strike="noStrike">
                 <a:latin typeface="Arial"/>
               </a:rPr>
               <a:t>Self governance</a:t>
             </a:r>
-            <a:endParaRPr b="0" lang="en-US" sz="1590" spc="-1" strike="noStrike">
+            <a:endParaRPr b="0" lang="en-US" sz="1500" spc="-1" strike="noStrike">
               <a:latin typeface="Arial"/>
             </a:endParaRPr>
           </a:p>
@@ -5235,12 +5244,12 @@
               <a:buChar char=""/>
             </a:pPr>
             <a:r>
-              <a:rPr b="0" lang="en-US" sz="1590" spc="-1" strike="noStrike">
+              <a:rPr b="0" lang="en-US" sz="1500" spc="-1" strike="noStrike">
                 <a:latin typeface="Arial"/>
               </a:rPr>
               <a:t>User Centric Data Model</a:t>
             </a:r>
-            <a:endParaRPr b="0" lang="en-US" sz="1590" spc="-1" strike="noStrike">
+            <a:endParaRPr b="0" lang="en-US" sz="1500" spc="-1" strike="noStrike">
               <a:latin typeface="Arial"/>
             </a:endParaRPr>
           </a:p>
@@ -5257,12 +5266,12 @@
               <a:buChar char=""/>
             </a:pPr>
             <a:r>
-              <a:rPr b="0" lang="en-US" sz="1590" spc="-1" strike="noStrike">
+              <a:rPr b="0" lang="en-US" sz="1500" spc="-1" strike="noStrike">
                 <a:latin typeface="Arial"/>
               </a:rPr>
               <a:t>End to End Encryption</a:t>
             </a:r>
-            <a:endParaRPr b="0" lang="en-US" sz="1590" spc="-1" strike="noStrike">
+            <a:endParaRPr b="0" lang="en-US" sz="1500" spc="-1" strike="noStrike">
               <a:latin typeface="Arial"/>
             </a:endParaRPr>
           </a:p>
@@ -5273,7 +5282,7 @@
               </a:lnSpc>
               <a:buNone/>
             </a:pPr>
-            <a:endParaRPr b="0" lang="en-US" sz="1590" spc="-1" strike="noStrike">
+            <a:endParaRPr b="0" lang="en-US" sz="1500" spc="-1" strike="noStrike">
               <a:latin typeface="Arial"/>
             </a:endParaRPr>
           </a:p>
@@ -5290,12 +5299,12 @@
               <a:buChar char=""/>
             </a:pPr>
             <a:r>
-              <a:rPr b="0" lang="en-US" sz="1590" spc="-1" strike="noStrike">
+              <a:rPr b="0" lang="en-US" sz="1500" spc="-1" strike="noStrike">
                 <a:latin typeface="Arial"/>
               </a:rPr>
               <a:t>Serverless</a:t>
             </a:r>
-            <a:endParaRPr b="0" lang="en-US" sz="1590" spc="-1" strike="noStrike">
+            <a:endParaRPr b="0" lang="en-US" sz="1500" spc="-1" strike="noStrike">
               <a:latin typeface="Arial"/>
             </a:endParaRPr>
           </a:p>
@@ -5312,12 +5321,12 @@
               <a:buChar char=""/>
             </a:pPr>
             <a:r>
-              <a:rPr b="0" lang="en-US" sz="1590" spc="-1" strike="noStrike">
+              <a:rPr b="0" lang="en-US" sz="1500" spc="-1" strike="noStrike">
                 <a:latin typeface="Arial"/>
               </a:rPr>
               <a:t>Scalability from the start</a:t>
             </a:r>
-            <a:endParaRPr b="0" lang="en-US" sz="1590" spc="-1" strike="noStrike">
+            <a:endParaRPr b="0" lang="en-US" sz="1500" spc="-1" strike="noStrike">
               <a:latin typeface="Arial"/>
             </a:endParaRPr>
           </a:p>
@@ -5331,8 +5340,8 @@
         </p:nvSpPr>
         <p:spPr>
           <a:xfrm>
-            <a:off x="456480" y="875160"/>
-            <a:ext cx="4341600" cy="4152960"/>
+            <a:off x="228600" y="685800"/>
+            <a:ext cx="4341600" cy="4343400"/>
           </a:xfrm>
           <a:prstGeom prst="rect">
             <a:avLst/>
@@ -5360,12 +5369,12 @@
               <a:buNone/>
             </a:pPr>
             <a:r>
-              <a:rPr b="1" lang="en-US" sz="1590" spc="-1" strike="noStrike">
+              <a:rPr b="1" lang="en-US" sz="1500" spc="-1" strike="noStrike">
                 <a:latin typeface="Arial"/>
               </a:rPr>
               <a:t>Augmented Nutritionist</a:t>
             </a:r>
-            <a:endParaRPr b="0" lang="en-US" sz="1590" spc="-1" strike="noStrike">
+            <a:endParaRPr b="0" lang="en-US" sz="1500" spc="-1" strike="noStrike">
               <a:latin typeface="Arial"/>
             </a:endParaRPr>
           </a:p>
@@ -5382,12 +5391,12 @@
               <a:buChar char=""/>
             </a:pPr>
             <a:r>
-              <a:rPr b="0" lang="en-US" sz="1590" spc="-1" strike="noStrike">
+              <a:rPr b="0" lang="en-US" sz="1500" spc="-1" strike="noStrike">
                 <a:latin typeface="Arial"/>
               </a:rPr>
               <a:t>Machine Leaning</a:t>
             </a:r>
-            <a:endParaRPr b="0" lang="en-US" sz="1590" spc="-1" strike="noStrike">
+            <a:endParaRPr b="0" lang="en-US" sz="1500" spc="-1" strike="noStrike">
               <a:latin typeface="Arial"/>
             </a:endParaRPr>
           </a:p>
@@ -5404,12 +5413,12 @@
               <a:buChar char=""/>
             </a:pPr>
             <a:r>
-              <a:rPr b="0" lang="en-US" sz="1590" spc="-1" strike="noStrike">
+              <a:rPr b="0" lang="en-US" sz="1500" spc="-1" strike="noStrike">
                 <a:latin typeface="Arial"/>
               </a:rPr>
               <a:t>Understandable AI</a:t>
             </a:r>
-            <a:endParaRPr b="0" lang="en-US" sz="1590" spc="-1" strike="noStrike">
+            <a:endParaRPr b="0" lang="en-US" sz="1500" spc="-1" strike="noStrike">
               <a:latin typeface="Arial"/>
             </a:endParaRPr>
           </a:p>
@@ -5420,7 +5429,7 @@
               </a:lnSpc>
               <a:buNone/>
             </a:pPr>
-            <a:endParaRPr b="0" lang="en-US" sz="1590" spc="-1" strike="noStrike">
+            <a:endParaRPr b="0" lang="en-US" sz="1500" spc="-1" strike="noStrike">
               <a:latin typeface="Arial"/>
             </a:endParaRPr>
           </a:p>
@@ -5432,12 +5441,12 @@
               <a:buNone/>
             </a:pPr>
             <a:r>
-              <a:rPr b="1" lang="en-US" sz="1590" spc="-1" strike="noStrike">
+              <a:rPr b="1" lang="en-US" sz="1500" spc="-1" strike="noStrike">
                 <a:latin typeface="Arial"/>
               </a:rPr>
               <a:t>Blockchain technoloy</a:t>
             </a:r>
-            <a:endParaRPr b="0" lang="en-US" sz="1590" spc="-1" strike="noStrike">
+            <a:endParaRPr b="0" lang="en-US" sz="1500" spc="-1" strike="noStrike">
               <a:latin typeface="Arial"/>
             </a:endParaRPr>
           </a:p>
@@ -5454,12 +5463,12 @@
               <a:buChar char=""/>
             </a:pPr>
             <a:r>
-              <a:rPr b="0" lang="en-US" sz="1590" spc="-1" strike="noStrike">
+              <a:rPr b="0" lang="en-US" sz="1500" spc="-1" strike="noStrike">
                 <a:latin typeface="Arial"/>
               </a:rPr>
               <a:t>Permissioned chain</a:t>
             </a:r>
-            <a:endParaRPr b="0" lang="en-US" sz="1590" spc="-1" strike="noStrike">
+            <a:endParaRPr b="0" lang="en-US" sz="1500" spc="-1" strike="noStrike">
               <a:latin typeface="Arial"/>
             </a:endParaRPr>
           </a:p>
@@ -5476,12 +5485,12 @@
               <a:buChar char=""/>
             </a:pPr>
             <a:r>
-              <a:rPr b="0" lang="en-US" sz="1590" spc="-1" strike="noStrike">
+              <a:rPr b="0" lang="en-US" sz="1500" spc="-1" strike="noStrike">
                 <a:latin typeface="Arial"/>
               </a:rPr>
               <a:t>NFTs tokens (Solana)</a:t>
             </a:r>
-            <a:endParaRPr b="0" lang="en-US" sz="1590" spc="-1" strike="noStrike">
+            <a:endParaRPr b="0" lang="en-US" sz="1500" spc="-1" strike="noStrike">
               <a:latin typeface="Arial"/>
             </a:endParaRPr>
           </a:p>
@@ -5498,12 +5507,12 @@
               <a:buChar char=""/>
             </a:pPr>
             <a:r>
-              <a:rPr b="0" lang="en-US" sz="1590" spc="-1" strike="noStrike">
+              <a:rPr b="0" lang="en-US" sz="1500" spc="-1" strike="noStrike">
                 <a:latin typeface="Arial"/>
               </a:rPr>
               <a:t>Content addressable store (IPFS)</a:t>
             </a:r>
-            <a:endParaRPr b="0" lang="en-US" sz="1590" spc="-1" strike="noStrike">
+            <a:endParaRPr b="0" lang="en-US" sz="1500" spc="-1" strike="noStrike">
               <a:latin typeface="Arial"/>
             </a:endParaRPr>
           </a:p>
@@ -5514,7 +5523,7 @@
               </a:lnSpc>
               <a:buNone/>
             </a:pPr>
-            <a:endParaRPr b="0" lang="en-US" sz="1590" spc="-1" strike="noStrike">
+            <a:endParaRPr b="0" lang="en-US" sz="1500" spc="-1" strike="noStrike">
               <a:latin typeface="Arial"/>
             </a:endParaRPr>
           </a:p>
@@ -5526,12 +5535,12 @@
               <a:buNone/>
             </a:pPr>
             <a:r>
-              <a:rPr b="1" lang="en-US" sz="1590" spc="-1" strike="noStrike">
+              <a:rPr b="1" lang="en-US" sz="1500" spc="-1" strike="noStrike">
                 <a:latin typeface="Arial"/>
               </a:rPr>
               <a:t>Asymmetric key Cryptography</a:t>
             </a:r>
-            <a:endParaRPr b="0" lang="en-US" sz="1590" spc="-1" strike="noStrike">
+            <a:endParaRPr b="0" lang="en-US" sz="1500" spc="-1" strike="noStrike">
               <a:latin typeface="Arial"/>
             </a:endParaRPr>
           </a:p>
@@ -5548,12 +5557,12 @@
               <a:buChar char=""/>
             </a:pPr>
             <a:r>
-              <a:rPr b="0" lang="en-US" sz="1590" spc="-1" strike="noStrike">
+              <a:rPr b="0" lang="en-US" sz="1500" spc="-1" strike="noStrike">
                 <a:latin typeface="Arial"/>
               </a:rPr>
               <a:t>Eliptic Curve</a:t>
             </a:r>
-            <a:endParaRPr b="0" lang="en-US" sz="1590" spc="-1" strike="noStrike">
+            <a:endParaRPr b="0" lang="en-US" sz="1500" spc="-1" strike="noStrike">
               <a:latin typeface="Arial"/>
             </a:endParaRPr>
           </a:p>
@@ -5570,12 +5579,12 @@
               <a:buChar char=""/>
             </a:pPr>
             <a:r>
-              <a:rPr b="0" lang="en-US" sz="1590" spc="-1" strike="noStrike">
+              <a:rPr b="0" lang="en-US" sz="1500" spc="-1" strike="noStrike">
                 <a:latin typeface="Arial"/>
               </a:rPr>
               <a:t>Privacy aware plateform</a:t>
             </a:r>
-            <a:endParaRPr b="0" lang="en-US" sz="1590" spc="-1" strike="noStrike">
+            <a:endParaRPr b="0" lang="en-US" sz="1500" spc="-1" strike="noStrike">
               <a:latin typeface="Arial"/>
             </a:endParaRPr>
           </a:p>
@@ -5592,21 +5601,21 @@
               <a:buChar char=""/>
             </a:pPr>
             <a:r>
-              <a:rPr b="0" lang="en-US" sz="1590" spc="-1" strike="noStrike">
+              <a:rPr b="0" lang="en-US" sz="1500" spc="-1" strike="noStrike">
                 <a:latin typeface="Arial"/>
               </a:rPr>
               <a:t>Security by design</a:t>
             </a:r>
             <a:br>
-              <a:rPr sz="1590"/>
+              <a:rPr sz="1500"/>
             </a:br>
             <a:r>
-              <a:rPr b="0" lang="en-US" sz="1590" spc="-1" strike="noStrike">
+              <a:rPr b="0" lang="en-US" sz="1500" spc="-1" strike="noStrike">
                 <a:latin typeface="Arial"/>
               </a:rPr>
               <a:t> </a:t>
             </a:r>
-            <a:endParaRPr b="0" lang="en-US" sz="1590" spc="-1" strike="noStrike">
+            <a:endParaRPr b="0" lang="en-US" sz="1500" spc="-1" strike="noStrike">
               <a:latin typeface="Arial"/>
             </a:endParaRPr>
           </a:p>
@@ -5618,12 +5627,12 @@
               <a:buNone/>
             </a:pPr>
             <a:r>
-              <a:rPr b="1" lang="en-US" sz="1590" spc="-1" strike="noStrike">
+              <a:rPr b="1" lang="en-US" sz="1500" spc="-1" strike="noStrike">
                 <a:latin typeface="Arial"/>
               </a:rPr>
               <a:t>Web Technology</a:t>
             </a:r>
-            <a:endParaRPr b="0" lang="en-US" sz="1590" spc="-1" strike="noStrike">
+            <a:endParaRPr b="0" lang="en-US" sz="1500" spc="-1" strike="noStrike">
               <a:latin typeface="Arial"/>
             </a:endParaRPr>
           </a:p>
@@ -5640,12 +5649,12 @@
               <a:buChar char=""/>
             </a:pPr>
             <a:r>
-              <a:rPr b="0" lang="en-US" sz="1590" spc="-1" strike="noStrike">
+              <a:rPr b="0" lang="en-US" sz="1500" spc="-1" strike="noStrike">
                 <a:latin typeface="Arial"/>
               </a:rPr>
               <a:t>JavaScript, API and Markup (JAMstack / Netlify)</a:t>
             </a:r>
-            <a:endParaRPr b="0" lang="en-US" sz="1590" spc="-1" strike="noStrike">
+            <a:endParaRPr b="0" lang="en-US" sz="1500" spc="-1" strike="noStrike">
               <a:latin typeface="Arial"/>
             </a:endParaRPr>
           </a:p>
@@ -5662,12 +5671,12 @@
               <a:buChar char=""/>
             </a:pPr>
             <a:r>
-              <a:rPr b="0" lang="en-US" sz="1590" spc="-1" strike="noStrike">
+              <a:rPr b="0" lang="en-US" sz="1500" spc="-1" strike="noStrike">
                 <a:latin typeface="Arial"/>
               </a:rPr>
               <a:t>Progressive Web Application</a:t>
             </a:r>
-            <a:endParaRPr b="0" lang="en-US" sz="1590" spc="-1" strike="noStrike">
+            <a:endParaRPr b="0" lang="en-US" sz="1500" spc="-1" strike="noStrike">
               <a:latin typeface="Arial"/>
             </a:endParaRPr>
           </a:p>
@@ -5687,7 +5696,7 @@
         <p:txBody>
           <a:bodyPr/>
           <a:p>
-            <a:fld id="{A93D72D5-FFE5-403F-BB1C-2EA10130FEEF}" type="slidenum">
+            <a:fld id="{FCC05EBB-5785-45DA-A50C-27F6AA16095E}" type="slidenum">
               <a:t>2</a:t>
             </a:fld>
           </a:p>
@@ -5707,7 +5716,7 @@
         <p:txBody>
           <a:bodyPr/>
           <a:p>
-            <a:fld id="{4831E384-D59D-4F50-BFD9-7B4D320C6DC0}" type="datetime1">
+            <a:fld id="{14F72F8A-3FB9-4BEC-BBB4-D5C86EBF76A1}" type="datetime1">
               <a:rPr lang="en-US"/>
               <a:t>05/28/2022</a:t>
             </a:fld>
